--- a/presentation/Getting to know Azure Search.pptx
+++ b/presentation/Getting to know Azure Search.pptx
@@ -5,16 +5,17 @@
     <p:sldMasterId id="2147483648" r:id="rId1"/>
   </p:sldMasterIdLst>
   <p:notesMasterIdLst>
-    <p:notesMasterId r:id="rId9"/>
+    <p:notesMasterId r:id="rId10"/>
   </p:notesMasterIdLst>
   <p:sldIdLst>
     <p:sldId id="256" r:id="rId2"/>
     <p:sldId id="257" r:id="rId3"/>
     <p:sldId id="258" r:id="rId4"/>
-    <p:sldId id="259" r:id="rId5"/>
-    <p:sldId id="260" r:id="rId6"/>
-    <p:sldId id="262" r:id="rId7"/>
-    <p:sldId id="263" r:id="rId8"/>
+    <p:sldId id="264" r:id="rId5"/>
+    <p:sldId id="259" r:id="rId6"/>
+    <p:sldId id="260" r:id="rId7"/>
+    <p:sldId id="262" r:id="rId8"/>
+    <p:sldId id="263" r:id="rId9"/>
   </p:sldIdLst>
   <p:sldSz cx="12192000" cy="6858000"/>
   <p:notesSz cx="6858000" cy="9144000"/>
@@ -203,7 +204,7 @@
           <a:p>
             <a:fld id="{C4ECD2DC-30F7-44C5-AE05-B09361A6251C}" type="datetimeFigureOut">
               <a:rPr lang="en-US" smtClean="0"/>
-              <a:t>7/15/2015</a:t>
+              <a:t>7/20/2015</a:t>
             </a:fld>
             <a:endParaRPr lang="en-US"/>
           </a:p>
@@ -536,7 +537,7 @@
           <a:p>
             <a:fld id="{C5FCBE4C-225D-46DA-96DA-0E20C5393770}" type="slidenum">
               <a:rPr lang="en-US" smtClean="0"/>
-              <a:t>6</a:t>
+              <a:t>7</a:t>
             </a:fld>
             <a:endParaRPr lang="en-US"/>
           </a:p>
@@ -686,7 +687,7 @@
           <a:p>
             <a:fld id="{13954035-78EA-4423-8AD4-682E34072BD6}" type="datetimeFigureOut">
               <a:rPr lang="en-US" smtClean="0"/>
-              <a:t>7/15/2015</a:t>
+              <a:t>7/20/2015</a:t>
             </a:fld>
             <a:endParaRPr lang="en-US"/>
           </a:p>
@@ -856,7 +857,7 @@
           <a:p>
             <a:fld id="{13954035-78EA-4423-8AD4-682E34072BD6}" type="datetimeFigureOut">
               <a:rPr lang="en-US" smtClean="0"/>
-              <a:t>7/15/2015</a:t>
+              <a:t>7/20/2015</a:t>
             </a:fld>
             <a:endParaRPr lang="en-US"/>
           </a:p>
@@ -1036,7 +1037,7 @@
           <a:p>
             <a:fld id="{13954035-78EA-4423-8AD4-682E34072BD6}" type="datetimeFigureOut">
               <a:rPr lang="en-US" smtClean="0"/>
-              <a:t>7/15/2015</a:t>
+              <a:t>7/20/2015</a:t>
             </a:fld>
             <a:endParaRPr lang="en-US"/>
           </a:p>
@@ -1206,7 +1207,7 @@
           <a:p>
             <a:fld id="{13954035-78EA-4423-8AD4-682E34072BD6}" type="datetimeFigureOut">
               <a:rPr lang="en-US" smtClean="0"/>
-              <a:t>7/15/2015</a:t>
+              <a:t>7/20/2015</a:t>
             </a:fld>
             <a:endParaRPr lang="en-US"/>
           </a:p>
@@ -1452,7 +1453,7 @@
           <a:p>
             <a:fld id="{13954035-78EA-4423-8AD4-682E34072BD6}" type="datetimeFigureOut">
               <a:rPr lang="en-US" smtClean="0"/>
-              <a:t>7/15/2015</a:t>
+              <a:t>7/20/2015</a:t>
             </a:fld>
             <a:endParaRPr lang="en-US"/>
           </a:p>
@@ -1684,7 +1685,7 @@
           <a:p>
             <a:fld id="{13954035-78EA-4423-8AD4-682E34072BD6}" type="datetimeFigureOut">
               <a:rPr lang="en-US" smtClean="0"/>
-              <a:t>7/15/2015</a:t>
+              <a:t>7/20/2015</a:t>
             </a:fld>
             <a:endParaRPr lang="en-US"/>
           </a:p>
@@ -2051,7 +2052,7 @@
           <a:p>
             <a:fld id="{13954035-78EA-4423-8AD4-682E34072BD6}" type="datetimeFigureOut">
               <a:rPr lang="en-US" smtClean="0"/>
-              <a:t>7/15/2015</a:t>
+              <a:t>7/20/2015</a:t>
             </a:fld>
             <a:endParaRPr lang="en-US"/>
           </a:p>
@@ -2169,7 +2170,7 @@
           <a:p>
             <a:fld id="{13954035-78EA-4423-8AD4-682E34072BD6}" type="datetimeFigureOut">
               <a:rPr lang="en-US" smtClean="0"/>
-              <a:t>7/15/2015</a:t>
+              <a:t>7/20/2015</a:t>
             </a:fld>
             <a:endParaRPr lang="en-US"/>
           </a:p>
@@ -2264,7 +2265,7 @@
           <a:p>
             <a:fld id="{13954035-78EA-4423-8AD4-682E34072BD6}" type="datetimeFigureOut">
               <a:rPr lang="en-US" smtClean="0"/>
-              <a:t>7/15/2015</a:t>
+              <a:t>7/20/2015</a:t>
             </a:fld>
             <a:endParaRPr lang="en-US"/>
           </a:p>
@@ -2541,7 +2542,7 @@
           <a:p>
             <a:fld id="{13954035-78EA-4423-8AD4-682E34072BD6}" type="datetimeFigureOut">
               <a:rPr lang="en-US" smtClean="0"/>
-              <a:t>7/15/2015</a:t>
+              <a:t>7/20/2015</a:t>
             </a:fld>
             <a:endParaRPr lang="en-US"/>
           </a:p>
@@ -2794,7 +2795,7 @@
           <a:p>
             <a:fld id="{13954035-78EA-4423-8AD4-682E34072BD6}" type="datetimeFigureOut">
               <a:rPr lang="en-US" smtClean="0"/>
-              <a:t>7/15/2015</a:t>
+              <a:t>7/20/2015</a:t>
             </a:fld>
             <a:endParaRPr lang="en-US"/>
           </a:p>
@@ -3007,7 +3008,7 @@
           <a:p>
             <a:fld id="{13954035-78EA-4423-8AD4-682E34072BD6}" type="datetimeFigureOut">
               <a:rPr lang="en-US" smtClean="0"/>
-              <a:t>7/15/2015</a:t>
+              <a:t>7/20/2015</a:t>
             </a:fld>
             <a:endParaRPr lang="en-US"/>
           </a:p>
@@ -3526,6 +3527,13 @@
   <p:clrMapOvr>
     <a:masterClrMapping/>
   </p:clrMapOvr>
+  <p:timing>
+    <p:tnLst>
+      <p:par>
+        <p:cTn id="1" dur="indefinite" restart="never" nodeType="tmRoot"/>
+      </p:par>
+    </p:tnLst>
+  </p:timing>
 </p:sld>
 </file>
 
@@ -3646,7 +3654,21 @@
                 <a:latin typeface="Calibri Light" panose="020F0302020204030204" pitchFamily="34" charset="0"/>
                 <a:cs typeface="Segoe UI Light" panose="020B0502040204020203" pitchFamily="34" charset="0"/>
               </a:rPr>
-              <a:t>Lead software developer at </a:t>
+              <a:t>Works</a:t>
+            </a:r>
+            <a:r>
+              <a:rPr lang="en-US" sz="2800" dirty="0" smtClean="0">
+                <a:latin typeface="Calibri Light" panose="020F0302020204030204" pitchFamily="34" charset="0"/>
+                <a:cs typeface="Segoe UI Light" panose="020B0502040204020203" pitchFamily="34" charset="0"/>
+              </a:rPr>
+              <a:t> </a:t>
+            </a:r>
+            <a:r>
+              <a:rPr lang="en-US" sz="2800" dirty="0" smtClean="0">
+                <a:latin typeface="Calibri Light" panose="020F0302020204030204" pitchFamily="34" charset="0"/>
+                <a:cs typeface="Segoe UI Light" panose="020B0502040204020203" pitchFamily="34" charset="0"/>
+              </a:rPr>
+              <a:t>at </a:t>
             </a:r>
             <a:r>
               <a:rPr lang="en-US" sz="2800" dirty="0" err="1" smtClean="0">
@@ -3672,10 +3694,6 @@
               </a:rPr>
               <a:t>Enjoys building solutions on Microsoft Azure</a:t>
             </a:r>
-            <a:endParaRPr lang="en-US" sz="2800" dirty="0" smtClean="0">
-              <a:latin typeface="Calibri Light" panose="020F0302020204030204" pitchFamily="34" charset="0"/>
-              <a:cs typeface="Segoe UI Light" panose="020B0502040204020203" pitchFamily="34" charset="0"/>
-            </a:endParaRPr>
           </a:p>
           <a:p>
             <a:pPr marL="285750" indent="-285750">
@@ -3734,6 +3752,13 @@
   <p:clrMapOvr>
     <a:masterClrMapping/>
   </p:clrMapOvr>
+  <p:timing>
+    <p:tnLst>
+      <p:par>
+        <p:cTn id="1" dur="indefinite" restart="never" nodeType="tmRoot"/>
+      </p:par>
+    </p:tnLst>
+  </p:timing>
 </p:sld>
 </file>
 
@@ -3895,10 +3920,256 @@
   <p:clrMapOvr>
     <a:masterClrMapping/>
   </p:clrMapOvr>
+  <p:timing>
+    <p:tnLst>
+      <p:par>
+        <p:cTn id="1" dur="indefinite" restart="never" nodeType="tmRoot"/>
+      </p:par>
+    </p:tnLst>
+  </p:timing>
 </p:sld>
 </file>
 
 <file path=ppt/slides/slide4.xml><?xml version="1.0" encoding="utf-8"?>
+<p:sld xmlns:a="http://schemas.openxmlformats.org/drawingml/2006/main" xmlns:r="http://schemas.openxmlformats.org/officeDocument/2006/relationships" xmlns:p="http://schemas.openxmlformats.org/presentationml/2006/main">
+  <p:cSld>
+    <p:spTree>
+      <p:nvGrpSpPr>
+        <p:cNvPr id="1" name=""/>
+        <p:cNvGrpSpPr/>
+        <p:nvPr/>
+      </p:nvGrpSpPr>
+      <p:grpSpPr>
+        <a:xfrm>
+          <a:off x="0" y="0"/>
+          <a:ext cx="0" cy="0"/>
+          <a:chOff x="0" y="0"/>
+          <a:chExt cx="0" cy="0"/>
+        </a:xfrm>
+      </p:grpSpPr>
+      <p:sp>
+        <p:nvSpPr>
+          <p:cNvPr id="2" name="Title 1"/>
+          <p:cNvSpPr>
+            <a:spLocks noGrp="1"/>
+          </p:cNvSpPr>
+          <p:nvPr>
+            <p:ph type="title"/>
+          </p:nvPr>
+        </p:nvSpPr>
+        <p:spPr/>
+        <p:txBody>
+          <a:bodyPr/>
+          <a:lstStyle/>
+          <a:p>
+            <a:r>
+              <a:rPr lang="en-US" dirty="0" smtClean="0"/>
+              <a:t>Creating a service</a:t>
+            </a:r>
+            <a:endParaRPr lang="en-US" dirty="0"/>
+          </a:p>
+        </p:txBody>
+      </p:sp>
+      <p:pic>
+        <p:nvPicPr>
+          <p:cNvPr id="5" name="Content Placeholder 4"/>
+          <p:cNvPicPr>
+            <a:picLocks noGrp="1" noChangeAspect="1"/>
+          </p:cNvPicPr>
+          <p:nvPr>
+            <p:ph sz="half" idx="1"/>
+          </p:nvPr>
+        </p:nvPicPr>
+        <p:blipFill>
+          <a:blip r:embed="rId2">
+            <a:extLst>
+              <a:ext uri="{28A0092B-C50C-407E-A947-70E740481C1C}">
+                <a14:useLocalDpi xmlns:a14="http://schemas.microsoft.com/office/drawing/2010/main" val="0"/>
+              </a:ext>
+            </a:extLst>
+          </a:blip>
+          <a:stretch>
+            <a:fillRect/>
+          </a:stretch>
+        </p:blipFill>
+        <p:spPr>
+          <a:xfrm>
+            <a:off x="838200" y="2508534"/>
+            <a:ext cx="5181600" cy="2985520"/>
+          </a:xfrm>
+        </p:spPr>
+      </p:pic>
+      <p:sp>
+        <p:nvSpPr>
+          <p:cNvPr id="4" name="Content Placeholder 3"/>
+          <p:cNvSpPr>
+            <a:spLocks noGrp="1"/>
+          </p:cNvSpPr>
+          <p:nvPr>
+            <p:ph sz="half" idx="2"/>
+          </p:nvPr>
+        </p:nvSpPr>
+        <p:spPr>
+          <a:xfrm>
+            <a:off x="6172200" y="1825625"/>
+            <a:ext cx="5870275" cy="4351338"/>
+          </a:xfrm>
+        </p:spPr>
+        <p:txBody>
+          <a:bodyPr>
+            <a:normAutofit/>
+          </a:bodyPr>
+          <a:lstStyle/>
+          <a:p>
+            <a:pPr marL="0" indent="0">
+              <a:buNone/>
+            </a:pPr>
+            <a:r>
+              <a:rPr lang="en-US" dirty="0"/>
+              <a:t>New-</a:t>
+            </a:r>
+            <a:r>
+              <a:rPr lang="en-US" dirty="0" err="1"/>
+              <a:t>AzureResourceGroupDeployment</a:t>
+            </a:r>
+            <a:r>
+              <a:rPr lang="en-US" dirty="0"/>
+              <a:t> -</a:t>
+            </a:r>
+            <a:r>
+              <a:rPr lang="en-US" dirty="0" err="1"/>
+              <a:t>ResourceGroupName</a:t>
+            </a:r>
+            <a:r>
+              <a:rPr lang="en-US" dirty="0"/>
+              <a:t> </a:t>
+            </a:r>
+            <a:r>
+              <a:rPr lang="en-US" dirty="0" err="1"/>
+              <a:t>TestGroup</a:t>
+            </a:r>
+            <a:r>
+              <a:rPr lang="en-US" dirty="0"/>
+              <a:t> '</a:t>
+            </a:r>
+          </a:p>
+          <a:p>
+            <a:pPr marL="0" indent="0">
+              <a:buNone/>
+            </a:pPr>
+            <a:r>
+              <a:rPr lang="en-US" dirty="0"/>
+              <a:t>  -</a:t>
+            </a:r>
+            <a:r>
+              <a:rPr lang="en-US" dirty="0" err="1"/>
+              <a:t>GalleryTemplateIdentity</a:t>
+            </a:r>
+            <a:r>
+              <a:rPr lang="en-US" dirty="0"/>
+              <a:t> Microsoft.Search.1.0.8 '</a:t>
+            </a:r>
+          </a:p>
+          <a:p>
+            <a:pPr marL="0" indent="0">
+              <a:buNone/>
+            </a:pPr>
+            <a:r>
+              <a:rPr lang="en-US" dirty="0"/>
+              <a:t>  -</a:t>
+            </a:r>
+            <a:r>
+              <a:rPr lang="en-US" dirty="0" err="1"/>
+              <a:t>nameFromTemplate</a:t>
+            </a:r>
+            <a:r>
+              <a:rPr lang="en-US" dirty="0"/>
+              <a:t> test '</a:t>
+            </a:r>
+          </a:p>
+          <a:p>
+            <a:pPr marL="0" indent="0">
+              <a:buNone/>
+            </a:pPr>
+            <a:r>
+              <a:rPr lang="en-US" dirty="0"/>
+              <a:t>  -location "West Europe" '</a:t>
+            </a:r>
+          </a:p>
+          <a:p>
+            <a:pPr marL="0" indent="0">
+              <a:buNone/>
+            </a:pPr>
+            <a:r>
+              <a:rPr lang="en-US" dirty="0"/>
+              <a:t>  -</a:t>
+            </a:r>
+            <a:r>
+              <a:rPr lang="en-US" dirty="0" err="1"/>
+              <a:t>sku</a:t>
+            </a:r>
+            <a:r>
+              <a:rPr lang="en-US" dirty="0"/>
+              <a:t> standard '</a:t>
+            </a:r>
+          </a:p>
+          <a:p>
+            <a:pPr marL="0" indent="0">
+              <a:buNone/>
+            </a:pPr>
+            <a:r>
+              <a:rPr lang="en-US" dirty="0"/>
+              <a:t>  -</a:t>
+            </a:r>
+            <a:r>
+              <a:rPr lang="en-US" dirty="0" err="1"/>
+              <a:t>replicaCount</a:t>
+            </a:r>
+            <a:r>
+              <a:rPr lang="en-US" dirty="0"/>
+              <a:t> 1 '</a:t>
+            </a:r>
+          </a:p>
+          <a:p>
+            <a:pPr marL="0" indent="0">
+              <a:buNone/>
+            </a:pPr>
+            <a:r>
+              <a:rPr lang="en-US" dirty="0"/>
+              <a:t>  -</a:t>
+            </a:r>
+            <a:r>
+              <a:rPr lang="en-US" dirty="0" err="1"/>
+              <a:t>partitionCount</a:t>
+            </a:r>
+            <a:r>
+              <a:rPr lang="en-US" dirty="0"/>
+              <a:t> 1</a:t>
+            </a:r>
+          </a:p>
+        </p:txBody>
+      </p:sp>
+    </p:spTree>
+    <p:extLst>
+      <p:ext uri="{BB962C8B-B14F-4D97-AF65-F5344CB8AC3E}">
+        <p14:creationId xmlns:p14="http://schemas.microsoft.com/office/powerpoint/2010/main" val="3994653029"/>
+      </p:ext>
+    </p:extLst>
+  </p:cSld>
+  <p:clrMapOvr>
+    <a:masterClrMapping/>
+  </p:clrMapOvr>
+  <p:timing>
+    <p:tnLst>
+      <p:par>
+        <p:cTn id="1" dur="indefinite" restart="never" nodeType="tmRoot"/>
+      </p:par>
+    </p:tnLst>
+  </p:timing>
+</p:sld>
+</file>
+
+<file path=ppt/slides/slide5.xml><?xml version="1.0" encoding="utf-8"?>
 <p:sld xmlns:a="http://schemas.openxmlformats.org/drawingml/2006/main" xmlns:r="http://schemas.openxmlformats.org/officeDocument/2006/relationships" xmlns:p="http://schemas.openxmlformats.org/presentationml/2006/main">
   <p:cSld>
     <p:spTree>
@@ -4282,8 +4553,8 @@
         </p:nvSpPr>
         <p:spPr>
           <a:xfrm>
-            <a:off x="1114717" y="6107692"/>
-            <a:ext cx="1361783" cy="369332"/>
+            <a:off x="919648" y="6107692"/>
+            <a:ext cx="1753685" cy="461665"/>
           </a:xfrm>
           <a:prstGeom prst="rect">
             <a:avLst/>
@@ -4297,10 +4568,10 @@
           <a:lstStyle/>
           <a:p>
             <a:r>
-              <a:rPr lang="en-US" dirty="0" smtClean="0"/>
+              <a:rPr lang="en-US" sz="2400" dirty="0" smtClean="0"/>
               <a:t>App services</a:t>
             </a:r>
-            <a:endParaRPr lang="en-US" dirty="0"/>
+            <a:endParaRPr lang="en-US" sz="2400" dirty="0"/>
           </a:p>
         </p:txBody>
       </p:sp>
@@ -4312,8 +4583,8 @@
         </p:nvSpPr>
         <p:spPr>
           <a:xfrm>
-            <a:off x="9304252" y="6107692"/>
-            <a:ext cx="2449068" cy="369332"/>
+            <a:off x="8929566" y="6107692"/>
+            <a:ext cx="3198440" cy="461665"/>
           </a:xfrm>
           <a:prstGeom prst="rect">
             <a:avLst/>
@@ -4327,10 +4598,10 @@
           <a:lstStyle/>
           <a:p>
             <a:r>
-              <a:rPr lang="en-US" dirty="0" smtClean="0"/>
+              <a:rPr lang="en-US" sz="2400" dirty="0" smtClean="0"/>
               <a:t>On premise applications</a:t>
             </a:r>
-            <a:endParaRPr lang="en-US" dirty="0"/>
+            <a:endParaRPr lang="en-US" sz="2400" dirty="0"/>
           </a:p>
         </p:txBody>
       </p:sp>
@@ -4344,10 +4615,17 @@
   <p:clrMapOvr>
     <a:masterClrMapping/>
   </p:clrMapOvr>
+  <p:timing>
+    <p:tnLst>
+      <p:par>
+        <p:cTn id="1" dur="indefinite" restart="never" nodeType="tmRoot"/>
+      </p:par>
+    </p:tnLst>
+  </p:timing>
 </p:sld>
 </file>
 
-<file path=ppt/slides/slide5.xml><?xml version="1.0" encoding="utf-8"?>
+<file path=ppt/slides/slide6.xml><?xml version="1.0" encoding="utf-8"?>
 <p:sld xmlns:a="http://schemas.openxmlformats.org/drawingml/2006/main" xmlns:r="http://schemas.openxmlformats.org/officeDocument/2006/relationships" xmlns:p="http://schemas.openxmlformats.org/presentationml/2006/main">
   <p:cSld>
     <p:spTree>
@@ -4543,8 +4821,8 @@
         </p:nvSpPr>
         <p:spPr>
           <a:xfrm>
-            <a:off x="1114717" y="6107692"/>
-            <a:ext cx="1361783" cy="369332"/>
+            <a:off x="1142418" y="6107882"/>
+            <a:ext cx="1753685" cy="461665"/>
           </a:xfrm>
           <a:prstGeom prst="rect">
             <a:avLst/>
@@ -4558,10 +4836,10 @@
           <a:lstStyle/>
           <a:p>
             <a:r>
-              <a:rPr lang="en-US" dirty="0" smtClean="0"/>
+              <a:rPr lang="en-US" sz="2400" dirty="0" smtClean="0"/>
               <a:t>App services</a:t>
             </a:r>
-            <a:endParaRPr lang="en-US" dirty="0"/>
+            <a:endParaRPr lang="en-US" sz="2400" dirty="0"/>
           </a:p>
         </p:txBody>
       </p:sp>
@@ -4573,8 +4851,8 @@
         </p:nvSpPr>
         <p:spPr>
           <a:xfrm>
-            <a:off x="9339800" y="6107692"/>
-            <a:ext cx="2449068" cy="369332"/>
+            <a:off x="8929566" y="6107692"/>
+            <a:ext cx="3198440" cy="461665"/>
           </a:xfrm>
           <a:prstGeom prst="rect">
             <a:avLst/>
@@ -4588,10 +4866,10 @@
           <a:lstStyle/>
           <a:p>
             <a:r>
-              <a:rPr lang="en-US" dirty="0" smtClean="0"/>
+              <a:rPr lang="en-US" sz="2400" dirty="0" smtClean="0"/>
               <a:t>On premise applications</a:t>
             </a:r>
-            <a:endParaRPr lang="en-US" dirty="0"/>
+            <a:endParaRPr lang="en-US" sz="2400" dirty="0"/>
           </a:p>
         </p:txBody>
       </p:sp>
@@ -4813,10 +5091,17 @@
   <p:clrMapOvr>
     <a:masterClrMapping/>
   </p:clrMapOvr>
+  <p:timing>
+    <p:tnLst>
+      <p:par>
+        <p:cTn id="1" dur="indefinite" restart="never" nodeType="tmRoot"/>
+      </p:par>
+    </p:tnLst>
+  </p:timing>
 </p:sld>
 </file>
 
-<file path=ppt/slides/slide6.xml><?xml version="1.0" encoding="utf-8"?>
+<file path=ppt/slides/slide7.xml><?xml version="1.0" encoding="utf-8"?>
 <p:sld xmlns:a="http://schemas.openxmlformats.org/drawingml/2006/main" xmlns:r="http://schemas.openxmlformats.org/officeDocument/2006/relationships" xmlns:p="http://schemas.openxmlformats.org/presentationml/2006/main">
   <p:cSld>
     <p:spTree>
@@ -4915,8 +5200,8 @@
         </p:nvSpPr>
         <p:spPr>
           <a:xfrm>
-            <a:off x="376386" y="2939534"/>
-            <a:ext cx="1813766" cy="369332"/>
+            <a:off x="273921" y="2939535"/>
+            <a:ext cx="1992597" cy="400110"/>
           </a:xfrm>
           <a:prstGeom prst="rect">
             <a:avLst/>
@@ -4930,14 +5215,14 @@
           <a:lstStyle/>
           <a:p>
             <a:r>
-              <a:rPr lang="en-US" dirty="0" err="1" smtClean="0"/>
+              <a:rPr lang="en-US" sz="2000" dirty="0" err="1" smtClean="0"/>
               <a:t>Lucene</a:t>
             </a:r>
             <a:r>
-              <a:rPr lang="en-US" dirty="0" smtClean="0"/>
+              <a:rPr lang="en-US" sz="2000" dirty="0" smtClean="0"/>
               <a:t> Standard:</a:t>
             </a:r>
-            <a:endParaRPr lang="en-US" dirty="0"/>
+            <a:endParaRPr lang="en-US" sz="2000" dirty="0"/>
           </a:p>
         </p:txBody>
       </p:sp>
@@ -5278,8 +5563,8 @@
         </p:nvSpPr>
         <p:spPr>
           <a:xfrm>
-            <a:off x="376386" y="4427279"/>
-            <a:ext cx="1630575" cy="369332"/>
+            <a:off x="478849" y="4388437"/>
+            <a:ext cx="1787669" cy="400110"/>
           </a:xfrm>
           <a:prstGeom prst="rect">
             <a:avLst/>
@@ -5293,14 +5578,14 @@
           <a:lstStyle/>
           <a:p>
             <a:r>
-              <a:rPr lang="en-US" dirty="0" err="1" smtClean="0"/>
+              <a:rPr lang="en-US" sz="2000" dirty="0" err="1" smtClean="0"/>
               <a:t>Lucene</a:t>
             </a:r>
             <a:r>
-              <a:rPr lang="en-US" dirty="0" smtClean="0"/>
+              <a:rPr lang="en-US" sz="2000" dirty="0" smtClean="0"/>
               <a:t> English:</a:t>
             </a:r>
-            <a:endParaRPr lang="en-US" dirty="0"/>
+            <a:endParaRPr lang="en-US" sz="2000" dirty="0"/>
           </a:p>
         </p:txBody>
       </p:sp>
@@ -5673,8 +5958,8 @@
         </p:nvSpPr>
         <p:spPr>
           <a:xfrm>
-            <a:off x="376386" y="5915023"/>
-            <a:ext cx="1865704" cy="369332"/>
+            <a:off x="212045" y="5837339"/>
+            <a:ext cx="2054473" cy="400110"/>
           </a:xfrm>
           <a:prstGeom prst="rect">
             <a:avLst/>
@@ -5688,10 +5973,10 @@
           <a:lstStyle/>
           <a:p>
             <a:r>
-              <a:rPr lang="en-US" dirty="0" smtClean="0"/>
+              <a:rPr lang="en-US" sz="2000" dirty="0" smtClean="0"/>
               <a:t>Microsoft English:</a:t>
             </a:r>
-            <a:endParaRPr lang="en-US" dirty="0"/>
+            <a:endParaRPr lang="en-US" sz="2000" dirty="0"/>
           </a:p>
         </p:txBody>
       </p:sp>
@@ -6058,10 +6343,17 @@
   <p:clrMapOvr>
     <a:masterClrMapping/>
   </p:clrMapOvr>
+  <p:timing>
+    <p:tnLst>
+      <p:par>
+        <p:cTn id="1" dur="indefinite" restart="never" nodeType="tmRoot"/>
+      </p:par>
+    </p:tnLst>
+  </p:timing>
 </p:sld>
 </file>
 
-<file path=ppt/slides/slide7.xml><?xml version="1.0" encoding="utf-8"?>
+<file path=ppt/slides/slide8.xml><?xml version="1.0" encoding="utf-8"?>
 <p:sld xmlns:a="http://schemas.openxmlformats.org/drawingml/2006/main" xmlns:r="http://schemas.openxmlformats.org/officeDocument/2006/relationships" xmlns:p="http://schemas.openxmlformats.org/presentationml/2006/main">
   <p:cSld>
     <p:spTree>
@@ -6113,7 +6405,9 @@
         </p:nvSpPr>
         <p:spPr/>
         <p:txBody>
-          <a:bodyPr/>
+          <a:bodyPr>
+            <a:normAutofit/>
+          </a:bodyPr>
           <a:lstStyle/>
           <a:p>
             <a:r>
@@ -6163,12 +6457,8 @@
           </a:p>
           <a:p>
             <a:r>
-              <a:rPr lang="en-US" dirty="0" smtClean="0"/>
-              <a:t>REST </a:t>
-            </a:r>
-            <a:r>
               <a:rPr lang="en-US" dirty="0"/>
-              <a:t>API Reference: </a:t>
+              <a:t>Azure Search Tool: </a:t>
             </a:r>
             <a:r>
               <a:rPr lang="en-US" dirty="0">
@@ -6179,6 +6469,29 @@
             <a:r>
               <a:rPr lang="en-US" dirty="0" smtClean="0">
                 <a:hlinkClick r:id="rId4"/>
+              </a:rPr>
+              <a:t>github.com/MaxMelcher/AzureSearchTool</a:t>
+            </a:r>
+            <a:endParaRPr lang="en-US" dirty="0" smtClean="0"/>
+          </a:p>
+          <a:p>
+            <a:r>
+              <a:rPr lang="en-US" dirty="0" smtClean="0"/>
+              <a:t>REST </a:t>
+            </a:r>
+            <a:r>
+              <a:rPr lang="en-US" dirty="0"/>
+              <a:t>API Reference: </a:t>
+            </a:r>
+            <a:r>
+              <a:rPr lang="en-US" dirty="0">
+                <a:hlinkClick r:id="rId5"/>
+              </a:rPr>
+              <a:t>https://</a:t>
+            </a:r>
+            <a:r>
+              <a:rPr lang="en-US" dirty="0" smtClean="0">
+                <a:hlinkClick r:id="rId5"/>
               </a:rPr>
               <a:t>msdn.microsoft.com/en-us/library/azure/dn798935.aspx</a:t>
             </a:r>
@@ -6199,6 +6512,13 @@
   <p:clrMapOvr>
     <a:masterClrMapping/>
   </p:clrMapOvr>
+  <p:timing>
+    <p:tnLst>
+      <p:par>
+        <p:cTn id="1" dur="indefinite" restart="never" nodeType="tmRoot"/>
+      </p:par>
+    </p:tnLst>
+  </p:timing>
 </p:sld>
 </file>
 

--- a/presentation/Getting to know Azure Search.pptx
+++ b/presentation/Getting to know Azure Search.pptx
@@ -5,17 +5,18 @@
     <p:sldMasterId id="2147483648" r:id="rId1"/>
   </p:sldMasterIdLst>
   <p:notesMasterIdLst>
-    <p:notesMasterId r:id="rId10"/>
+    <p:notesMasterId r:id="rId11"/>
   </p:notesMasterIdLst>
   <p:sldIdLst>
     <p:sldId id="256" r:id="rId2"/>
     <p:sldId id="257" r:id="rId3"/>
     <p:sldId id="258" r:id="rId4"/>
     <p:sldId id="264" r:id="rId5"/>
-    <p:sldId id="259" r:id="rId6"/>
-    <p:sldId id="260" r:id="rId7"/>
-    <p:sldId id="262" r:id="rId8"/>
-    <p:sldId id="263" r:id="rId9"/>
+    <p:sldId id="266" r:id="rId6"/>
+    <p:sldId id="259" r:id="rId7"/>
+    <p:sldId id="260" r:id="rId8"/>
+    <p:sldId id="262" r:id="rId9"/>
+    <p:sldId id="263" r:id="rId10"/>
   </p:sldIdLst>
   <p:sldSz cx="12192000" cy="6858000"/>
   <p:notesSz cx="6858000" cy="9144000"/>
@@ -537,7 +538,7 @@
           <a:p>
             <a:fld id="{C5FCBE4C-225D-46DA-96DA-0E20C5393770}" type="slidenum">
               <a:rPr lang="en-US" smtClean="0"/>
-              <a:t>7</a:t>
+              <a:t>8</a:t>
             </a:fld>
             <a:endParaRPr lang="en-US"/>
           </a:p>
@@ -3654,21 +3655,7 @@
                 <a:latin typeface="Calibri Light" panose="020F0302020204030204" pitchFamily="34" charset="0"/>
                 <a:cs typeface="Segoe UI Light" panose="020B0502040204020203" pitchFamily="34" charset="0"/>
               </a:rPr>
-              <a:t>Works</a:t>
-            </a:r>
-            <a:r>
-              <a:rPr lang="en-US" sz="2800" dirty="0" smtClean="0">
-                <a:latin typeface="Calibri Light" panose="020F0302020204030204" pitchFamily="34" charset="0"/>
-                <a:cs typeface="Segoe UI Light" panose="020B0502040204020203" pitchFamily="34" charset="0"/>
-              </a:rPr>
-              <a:t> </a:t>
-            </a:r>
-            <a:r>
-              <a:rPr lang="en-US" sz="2800" dirty="0" smtClean="0">
-                <a:latin typeface="Calibri Light" panose="020F0302020204030204" pitchFamily="34" charset="0"/>
-                <a:cs typeface="Segoe UI Light" panose="020B0502040204020203" pitchFamily="34" charset="0"/>
-              </a:rPr>
-              <a:t>at </a:t>
+              <a:t>Works at </a:t>
             </a:r>
             <a:r>
               <a:rPr lang="en-US" sz="2800" dirty="0" err="1" smtClean="0">
@@ -3994,8 +3981,8 @@
         </p:blipFill>
         <p:spPr>
           <a:xfrm>
-            <a:off x="838200" y="2508534"/>
-            <a:ext cx="5181600" cy="2985520"/>
+            <a:off x="257342" y="2173857"/>
+            <a:ext cx="5762458" cy="3320197"/>
           </a:xfrm>
         </p:spPr>
       </p:pic>
@@ -4170,6 +4157,88 @@
 </file>
 
 <file path=ppt/slides/slide5.xml><?xml version="1.0" encoding="utf-8"?>
+<p:sld xmlns:a="http://schemas.openxmlformats.org/drawingml/2006/main" xmlns:r="http://schemas.openxmlformats.org/officeDocument/2006/relationships" xmlns:p="http://schemas.openxmlformats.org/presentationml/2006/main">
+  <p:cSld>
+    <p:spTree>
+      <p:nvGrpSpPr>
+        <p:cNvPr id="1" name=""/>
+        <p:cNvGrpSpPr/>
+        <p:nvPr/>
+      </p:nvGrpSpPr>
+      <p:grpSpPr>
+        <a:xfrm>
+          <a:off x="0" y="0"/>
+          <a:ext cx="0" cy="0"/>
+          <a:chOff x="0" y="0"/>
+          <a:chExt cx="0" cy="0"/>
+        </a:xfrm>
+      </p:grpSpPr>
+      <p:sp>
+        <p:nvSpPr>
+          <p:cNvPr id="2" name="Title 1"/>
+          <p:cNvSpPr>
+            <a:spLocks noGrp="1"/>
+          </p:cNvSpPr>
+          <p:nvPr>
+            <p:ph type="title"/>
+          </p:nvPr>
+        </p:nvSpPr>
+        <p:spPr/>
+        <p:txBody>
+          <a:bodyPr/>
+          <a:lstStyle/>
+          <a:p>
+            <a:r>
+              <a:rPr lang="en-US" dirty="0" smtClean="0"/>
+              <a:t>Index</a:t>
+            </a:r>
+            <a:endParaRPr lang="en-US" dirty="0"/>
+          </a:p>
+        </p:txBody>
+      </p:sp>
+      <p:pic>
+        <p:nvPicPr>
+          <p:cNvPr id="6" name="Content Placeholder 5"/>
+          <p:cNvPicPr>
+            <a:picLocks noGrp="1" noChangeAspect="1"/>
+          </p:cNvPicPr>
+          <p:nvPr>
+            <p:ph idx="1"/>
+          </p:nvPr>
+        </p:nvPicPr>
+        <p:blipFill>
+          <a:blip r:embed="rId2">
+            <a:extLst>
+              <a:ext uri="{28A0092B-C50C-407E-A947-70E740481C1C}">
+                <a14:useLocalDpi xmlns:a14="http://schemas.microsoft.com/office/drawing/2010/main" val="0"/>
+              </a:ext>
+            </a:extLst>
+          </a:blip>
+          <a:stretch>
+            <a:fillRect/>
+          </a:stretch>
+        </p:blipFill>
+        <p:spPr>
+          <a:xfrm>
+            <a:off x="838200" y="1795224"/>
+            <a:ext cx="10462634" cy="4389916"/>
+          </a:xfrm>
+        </p:spPr>
+      </p:pic>
+    </p:spTree>
+    <p:extLst>
+      <p:ext uri="{BB962C8B-B14F-4D97-AF65-F5344CB8AC3E}">
+        <p14:creationId xmlns:p14="http://schemas.microsoft.com/office/powerpoint/2010/main" val="4277101496"/>
+      </p:ext>
+    </p:extLst>
+  </p:cSld>
+  <p:clrMapOvr>
+    <a:masterClrMapping/>
+  </p:clrMapOvr>
+</p:sld>
+</file>
+
+<file path=ppt/slides/slide6.xml><?xml version="1.0" encoding="utf-8"?>
 <p:sld xmlns:a="http://schemas.openxmlformats.org/drawingml/2006/main" xmlns:r="http://schemas.openxmlformats.org/officeDocument/2006/relationships" xmlns:p="http://schemas.openxmlformats.org/presentationml/2006/main">
   <p:cSld>
     <p:spTree>
@@ -4625,7 +4694,7 @@
 </p:sld>
 </file>
 
-<file path=ppt/slides/slide6.xml><?xml version="1.0" encoding="utf-8"?>
+<file path=ppt/slides/slide7.xml><?xml version="1.0" encoding="utf-8"?>
 <p:sld xmlns:a="http://schemas.openxmlformats.org/drawingml/2006/main" xmlns:r="http://schemas.openxmlformats.org/officeDocument/2006/relationships" xmlns:p="http://schemas.openxmlformats.org/presentationml/2006/main">
   <p:cSld>
     <p:spTree>
@@ -5101,7 +5170,7 @@
 </p:sld>
 </file>
 
-<file path=ppt/slides/slide7.xml><?xml version="1.0" encoding="utf-8"?>
+<file path=ppt/slides/slide8.xml><?xml version="1.0" encoding="utf-8"?>
 <p:sld xmlns:a="http://schemas.openxmlformats.org/drawingml/2006/main" xmlns:r="http://schemas.openxmlformats.org/officeDocument/2006/relationships" xmlns:p="http://schemas.openxmlformats.org/presentationml/2006/main">
   <p:cSld>
     <p:spTree>
@@ -6353,7 +6422,7 @@
 </p:sld>
 </file>
 
-<file path=ppt/slides/slide8.xml><?xml version="1.0" encoding="utf-8"?>
+<file path=ppt/slides/slide9.xml><?xml version="1.0" encoding="utf-8"?>
 <p:sld xmlns:a="http://schemas.openxmlformats.org/drawingml/2006/main" xmlns:r="http://schemas.openxmlformats.org/officeDocument/2006/relationships" xmlns:p="http://schemas.openxmlformats.org/presentationml/2006/main">
   <p:cSld>
     <p:spTree>
